--- a/Ultimate Space Rumble Smash Fighter Z 2.pptx
+++ b/Ultimate Space Rumble Smash Fighter Z 2.pptx
@@ -13,10 +13,10 @@
     <p:sldId id="259" r:id="rId4"/>
     <p:sldId id="258" r:id="rId5"/>
     <p:sldId id="260" r:id="rId6"/>
-    <p:sldId id="261" r:id="rId7"/>
-    <p:sldId id="262" r:id="rId8"/>
-    <p:sldId id="263" r:id="rId9"/>
-    <p:sldId id="264" r:id="rId10"/>
+    <p:sldId id="262" r:id="rId7"/>
+    <p:sldId id="263" r:id="rId8"/>
+    <p:sldId id="264" r:id="rId9"/>
+    <p:sldId id="266" r:id="rId10"/>
   </p:sldIdLst>
   <p:sldSz cx="12192000" cy="6858000"/>
   <p:notesSz cx="6858000" cy="9144000"/>
@@ -205,7 +205,7 @@
           <a:p>
             <a:fld id="{F86FBD5D-C3F1-4FAF-9F0B-2BA6E0E4F1E0}" type="datetimeFigureOut">
               <a:rPr lang="en-US" smtClean="0"/>
-              <a:t>5/15/2016</a:t>
+              <a:t>5/16/2016</a:t>
             </a:fld>
             <a:endParaRPr lang="en-US"/>
           </a:p>
@@ -692,7 +692,7 @@
           <a:p>
             <a:fld id="{E0EF8A6C-3921-4DD5-ACFA-9A75FE6BDA66}" type="datetimeFigureOut">
               <a:rPr lang="en-US" smtClean="0"/>
-              <a:t>5/15/2016</a:t>
+              <a:t>5/16/2016</a:t>
             </a:fld>
             <a:endParaRPr lang="en-US"/>
           </a:p>
@@ -862,7 +862,7 @@
           <a:p>
             <a:fld id="{E0EF8A6C-3921-4DD5-ACFA-9A75FE6BDA66}" type="datetimeFigureOut">
               <a:rPr lang="en-US" smtClean="0"/>
-              <a:t>5/15/2016</a:t>
+              <a:t>5/16/2016</a:t>
             </a:fld>
             <a:endParaRPr lang="en-US"/>
           </a:p>
@@ -1042,7 +1042,7 @@
           <a:p>
             <a:fld id="{E0EF8A6C-3921-4DD5-ACFA-9A75FE6BDA66}" type="datetimeFigureOut">
               <a:rPr lang="en-US" smtClean="0"/>
-              <a:t>5/15/2016</a:t>
+              <a:t>5/16/2016</a:t>
             </a:fld>
             <a:endParaRPr lang="en-US"/>
           </a:p>
@@ -1212,7 +1212,7 @@
           <a:p>
             <a:fld id="{E0EF8A6C-3921-4DD5-ACFA-9A75FE6BDA66}" type="datetimeFigureOut">
               <a:rPr lang="en-US" smtClean="0"/>
-              <a:t>5/15/2016</a:t>
+              <a:t>5/16/2016</a:t>
             </a:fld>
             <a:endParaRPr lang="en-US"/>
           </a:p>
@@ -1458,7 +1458,7 @@
           <a:p>
             <a:fld id="{E0EF8A6C-3921-4DD5-ACFA-9A75FE6BDA66}" type="datetimeFigureOut">
               <a:rPr lang="en-US" smtClean="0"/>
-              <a:t>5/15/2016</a:t>
+              <a:t>5/16/2016</a:t>
             </a:fld>
             <a:endParaRPr lang="en-US"/>
           </a:p>
@@ -1690,7 +1690,7 @@
           <a:p>
             <a:fld id="{E0EF8A6C-3921-4DD5-ACFA-9A75FE6BDA66}" type="datetimeFigureOut">
               <a:rPr lang="en-US" smtClean="0"/>
-              <a:t>5/15/2016</a:t>
+              <a:t>5/16/2016</a:t>
             </a:fld>
             <a:endParaRPr lang="en-US"/>
           </a:p>
@@ -2057,7 +2057,7 @@
           <a:p>
             <a:fld id="{E0EF8A6C-3921-4DD5-ACFA-9A75FE6BDA66}" type="datetimeFigureOut">
               <a:rPr lang="en-US" smtClean="0"/>
-              <a:t>5/15/2016</a:t>
+              <a:t>5/16/2016</a:t>
             </a:fld>
             <a:endParaRPr lang="en-US"/>
           </a:p>
@@ -2175,7 +2175,7 @@
           <a:p>
             <a:fld id="{E0EF8A6C-3921-4DD5-ACFA-9A75FE6BDA66}" type="datetimeFigureOut">
               <a:rPr lang="en-US" smtClean="0"/>
-              <a:t>5/15/2016</a:t>
+              <a:t>5/16/2016</a:t>
             </a:fld>
             <a:endParaRPr lang="en-US"/>
           </a:p>
@@ -2270,7 +2270,7 @@
           <a:p>
             <a:fld id="{E0EF8A6C-3921-4DD5-ACFA-9A75FE6BDA66}" type="datetimeFigureOut">
               <a:rPr lang="en-US" smtClean="0"/>
-              <a:t>5/15/2016</a:t>
+              <a:t>5/16/2016</a:t>
             </a:fld>
             <a:endParaRPr lang="en-US"/>
           </a:p>
@@ -2547,7 +2547,7 @@
           <a:p>
             <a:fld id="{E0EF8A6C-3921-4DD5-ACFA-9A75FE6BDA66}" type="datetimeFigureOut">
               <a:rPr lang="en-US" smtClean="0"/>
-              <a:t>5/15/2016</a:t>
+              <a:t>5/16/2016</a:t>
             </a:fld>
             <a:endParaRPr lang="en-US"/>
           </a:p>
@@ -2800,7 +2800,7 @@
           <a:p>
             <a:fld id="{E0EF8A6C-3921-4DD5-ACFA-9A75FE6BDA66}" type="datetimeFigureOut">
               <a:rPr lang="en-US" smtClean="0"/>
-              <a:t>5/15/2016</a:t>
+              <a:t>5/16/2016</a:t>
             </a:fld>
             <a:endParaRPr lang="en-US"/>
           </a:p>
@@ -3013,7 +3013,7 @@
           <a:p>
             <a:fld id="{E0EF8A6C-3921-4DD5-ACFA-9A75FE6BDA66}" type="datetimeFigureOut">
               <a:rPr lang="en-US" smtClean="0"/>
-              <a:t>5/15/2016</a:t>
+              <a:t>5/16/2016</a:t>
             </a:fld>
             <a:endParaRPr lang="en-US"/>
           </a:p>
@@ -3629,23 +3629,8 @@
                 </a:solidFill>
                 <a:latin typeface="Agency FB" panose="020B0503020202020204" pitchFamily="34" charset="0"/>
               </a:rPr>
-              <a:t>You’re lost in space! As you travel through an alien galaxy, you are forced to go through an asteroid belt. Unfortunately, your blasters went out a while ago, so you must solely rely on your gas and your quick reflexes to get through the belt. Using the ASWD buttons, you can travel up, down, left and right to dodge different types of asteroids. The longer you go, the harder it gets! Once you lose all health, KABOOM</a:t>
-            </a:r>
-            <a:r>
-              <a:rPr lang="en-US" dirty="0" smtClean="0">
-                <a:solidFill>
-                  <a:schemeClr val="bg1"/>
-                </a:solidFill>
-                <a:latin typeface="Agency FB" panose="020B0503020202020204" pitchFamily="34" charset="0"/>
-              </a:rPr>
-              <a:t>!</a:t>
-            </a:r>
-            <a:endParaRPr lang="en-US" dirty="0" smtClean="0">
-              <a:solidFill>
-                <a:schemeClr val="bg1"/>
-              </a:solidFill>
-              <a:latin typeface="Agency FB" panose="020B0503020202020204" pitchFamily="34" charset="0"/>
-            </a:endParaRPr>
+              <a:t>You’re lost in space! As you travel through an alien galaxy, you are forced to go through an asteroid belt. Unfortunately, your blasters went out a while ago, so you must solely rely on your gas and your quick reflexes to get through the belt. Using the ASWD buttons, you can travel up, down, left and right to dodge different types of asteroids. The longer you go, the harder it gets! Once you lose all health, KABOOM!</a:t>
+            </a:r>
           </a:p>
         </p:txBody>
       </p:sp>
@@ -4000,7 +3985,12 @@
             <p:ph type="title"/>
           </p:nvPr>
         </p:nvSpPr>
-        <p:spPr/>
+        <p:spPr>
+          <a:xfrm rot="16200000">
+            <a:off x="-3090055" y="-1411383"/>
+            <a:ext cx="7054978" cy="1499844"/>
+          </a:xfrm>
+        </p:spPr>
         <p:txBody>
           <a:bodyPr/>
           <a:lstStyle/>
@@ -4047,6 +4037,30 @@
           </a:p>
         </p:txBody>
       </p:sp>
+      <p:pic>
+        <p:nvPicPr>
+          <p:cNvPr id="4" name="Picture 3"/>
+          <p:cNvPicPr>
+            <a:picLocks noChangeAspect="1"/>
+          </p:cNvPicPr>
+          <p:nvPr/>
+        </p:nvPicPr>
+        <p:blipFill>
+          <a:blip r:embed="rId3"/>
+          <a:stretch>
+            <a:fillRect/>
+          </a:stretch>
+        </p:blipFill>
+        <p:spPr>
+          <a:xfrm>
+            <a:off x="1356814" y="353491"/>
+            <a:ext cx="9261143" cy="6147483"/>
+          </a:xfrm>
+          <a:prstGeom prst="rect">
+            <a:avLst/>
+          </a:prstGeom>
+        </p:spPr>
+      </p:pic>
     </p:spTree>
     <p:extLst>
       <p:ext uri="{BB962C8B-B14F-4D97-AF65-F5344CB8AC3E}">
@@ -4113,7 +4127,7 @@
                 </a:solidFill>
                 <a:latin typeface="Agency FB" panose="020B0503020202020204" pitchFamily="34" charset="0"/>
               </a:rPr>
-              <a:t>Game Map</a:t>
+              <a:t>Developmental Notes</a:t>
             </a:r>
             <a:endParaRPr lang="en-US" dirty="0">
               <a:solidFill>
@@ -4134,21 +4148,150 @@
             <p:ph idx="1"/>
           </p:nvPr>
         </p:nvSpPr>
-        <p:spPr/>
-        <p:txBody>
-          <a:bodyPr/>
-          <a:lstStyle/>
-          <a:p>
-            <a:endParaRPr lang="en-US" dirty="0">
-              <a:latin typeface="Agency FB" panose="020B0503020202020204" pitchFamily="34" charset="0"/>
-            </a:endParaRPr>
+        <p:spPr>
+          <a:xfrm>
+            <a:off x="838200" y="1825625"/>
+            <a:ext cx="10515600" cy="4657062"/>
+          </a:xfrm>
+        </p:spPr>
+        <p:txBody>
+          <a:bodyPr>
+            <a:normAutofit lnSpcReduction="10000"/>
+          </a:bodyPr>
+          <a:lstStyle/>
+          <a:p>
+            <a:r>
+              <a:rPr lang="en-US" dirty="0" smtClean="0">
+                <a:solidFill>
+                  <a:schemeClr val="bg1"/>
+                </a:solidFill>
+                <a:latin typeface="Agency FB" panose="020B0503020202020204" pitchFamily="34" charset="0"/>
+              </a:rPr>
+              <a:t>Originally meant to be a fighting game</a:t>
+            </a:r>
+          </a:p>
+          <a:p>
+            <a:r>
+              <a:rPr lang="en-US" dirty="0" smtClean="0">
+                <a:solidFill>
+                  <a:schemeClr val="bg1"/>
+                </a:solidFill>
+                <a:latin typeface="Agency FB" panose="020B0503020202020204" pitchFamily="34" charset="0"/>
+              </a:rPr>
+              <a:t>Enemy and Items that weren’t originally planned were added as the project progressed</a:t>
+            </a:r>
+          </a:p>
+          <a:p>
+            <a:r>
+              <a:rPr lang="en-US" dirty="0" smtClean="0">
+                <a:solidFill>
+                  <a:schemeClr val="bg1"/>
+                </a:solidFill>
+                <a:latin typeface="Agency FB" panose="020B0503020202020204" pitchFamily="34" charset="0"/>
+              </a:rPr>
+              <a:t>Added Game States to replace classes</a:t>
+            </a:r>
+          </a:p>
+          <a:p>
+            <a:r>
+              <a:rPr lang="en-US" dirty="0" smtClean="0">
+                <a:solidFill>
+                  <a:schemeClr val="bg1"/>
+                </a:solidFill>
+                <a:latin typeface="Agency FB" panose="020B0503020202020204" pitchFamily="34" charset="0"/>
+              </a:rPr>
+              <a:t>Consolidated enemies into a single class</a:t>
+            </a:r>
+          </a:p>
+          <a:p>
+            <a:r>
+              <a:rPr lang="en-US" dirty="0" smtClean="0">
+                <a:solidFill>
+                  <a:schemeClr val="bg1"/>
+                </a:solidFill>
+                <a:latin typeface="Agency FB" panose="020B0503020202020204" pitchFamily="34" charset="0"/>
+              </a:rPr>
+              <a:t>After demo presentations many suggestions from classmates were implemented</a:t>
+            </a:r>
+          </a:p>
+          <a:p>
+            <a:pPr lvl="1"/>
+            <a:r>
+              <a:rPr lang="en-US" dirty="0" smtClean="0">
+                <a:solidFill>
+                  <a:schemeClr val="bg1"/>
+                </a:solidFill>
+                <a:latin typeface="Agency FB" panose="020B0503020202020204" pitchFamily="34" charset="0"/>
+              </a:rPr>
+              <a:t>Shields</a:t>
+            </a:r>
+          </a:p>
+          <a:p>
+            <a:pPr lvl="1"/>
+            <a:r>
+              <a:rPr lang="en-US" dirty="0" smtClean="0">
+                <a:solidFill>
+                  <a:schemeClr val="bg1"/>
+                </a:solidFill>
+                <a:latin typeface="Agency FB" panose="020B0503020202020204" pitchFamily="34" charset="0"/>
+              </a:rPr>
+              <a:t>Coins</a:t>
+            </a:r>
+          </a:p>
+          <a:p>
+            <a:pPr lvl="1"/>
+            <a:r>
+              <a:rPr lang="en-US" dirty="0" smtClean="0">
+                <a:solidFill>
+                  <a:schemeClr val="bg1"/>
+                </a:solidFill>
+                <a:latin typeface="Agency FB" panose="020B0503020202020204" pitchFamily="34" charset="0"/>
+              </a:rPr>
+              <a:t>Movements</a:t>
+            </a:r>
+          </a:p>
+          <a:p>
+            <a:pPr lvl="1"/>
+            <a:r>
+              <a:rPr lang="en-US" dirty="0" smtClean="0">
+                <a:solidFill>
+                  <a:schemeClr val="bg1"/>
+                </a:solidFill>
+                <a:latin typeface="Agency FB" panose="020B0503020202020204" pitchFamily="34" charset="0"/>
+              </a:rPr>
+              <a:t>Leaderboards</a:t>
+            </a:r>
+          </a:p>
+          <a:p>
+            <a:pPr lvl="1"/>
+            <a:r>
+              <a:rPr lang="en-US" dirty="0" smtClean="0">
+                <a:solidFill>
+                  <a:schemeClr val="bg1"/>
+                </a:solidFill>
+                <a:latin typeface="Agency FB" panose="020B0503020202020204" pitchFamily="34" charset="0"/>
+              </a:rPr>
+              <a:t>Music</a:t>
+            </a:r>
+          </a:p>
+          <a:p>
+            <a:pPr lvl="1"/>
+            <a:r>
+              <a:rPr lang="en-US" dirty="0" smtClean="0">
+                <a:solidFill>
+                  <a:schemeClr val="bg1"/>
+                </a:solidFill>
+                <a:latin typeface="Agency FB" panose="020B0503020202020204" pitchFamily="34" charset="0"/>
+              </a:rPr>
+              <a:t>Balancing</a:t>
+            </a:r>
           </a:p>
         </p:txBody>
       </p:sp>
     </p:spTree>
     <p:extLst>
       <p:ext uri="{BB962C8B-B14F-4D97-AF65-F5344CB8AC3E}">
-        <p14:creationId xmlns:p14="http://schemas.microsoft.com/office/powerpoint/2010/main" val="2876209204"/>
+        <p14:creationId xmlns:p14="http://schemas.microsoft.com/office/powerpoint/2010/main" val="3257670039"/>
       </p:ext>
     </p:extLst>
   </p:cSld>
@@ -4211,7 +4354,7 @@
                 </a:solidFill>
                 <a:latin typeface="Agency FB" panose="020B0503020202020204" pitchFamily="34" charset="0"/>
               </a:rPr>
-              <a:t>Developmental Notes</a:t>
+              <a:t>Timeline</a:t>
             </a:r>
             <a:endParaRPr lang="en-US" dirty="0">
               <a:solidFill>
@@ -4237,6 +4380,104 @@
           <a:bodyPr/>
           <a:lstStyle/>
           <a:p>
+            <a:r>
+              <a:rPr lang="en-US" dirty="0" smtClean="0">
+                <a:solidFill>
+                  <a:schemeClr val="bg1"/>
+                </a:solidFill>
+                <a:latin typeface="Agency FB" panose="020B0503020202020204" pitchFamily="34" charset="0"/>
+              </a:rPr>
+              <a:t>Week 1: Fighting </a:t>
+            </a:r>
+            <a:r>
+              <a:rPr lang="en-US" dirty="0">
+                <a:solidFill>
+                  <a:schemeClr val="bg1"/>
+                </a:solidFill>
+                <a:latin typeface="Agency FB" panose="020B0503020202020204" pitchFamily="34" charset="0"/>
+              </a:rPr>
+              <a:t>g</a:t>
+            </a:r>
+            <a:r>
+              <a:rPr lang="en-US" dirty="0" smtClean="0">
+                <a:solidFill>
+                  <a:schemeClr val="bg1"/>
+                </a:solidFill>
+                <a:latin typeface="Agency FB" panose="020B0503020202020204" pitchFamily="34" charset="0"/>
+              </a:rPr>
+              <a:t>ame sprite design and background images</a:t>
+            </a:r>
+          </a:p>
+          <a:p>
+            <a:r>
+              <a:rPr lang="en-US" dirty="0" smtClean="0">
+                <a:solidFill>
+                  <a:schemeClr val="bg1"/>
+                </a:solidFill>
+                <a:latin typeface="Agency FB" panose="020B0503020202020204" pitchFamily="34" charset="0"/>
+              </a:rPr>
+              <a:t>Week 2: Sprite Animation and background display</a:t>
+            </a:r>
+          </a:p>
+          <a:p>
+            <a:r>
+              <a:rPr lang="en-US" dirty="0">
+                <a:solidFill>
+                  <a:schemeClr val="bg1"/>
+                </a:solidFill>
+                <a:latin typeface="Agency FB" panose="020B0503020202020204" pitchFamily="34" charset="0"/>
+              </a:rPr>
+              <a:t>Week </a:t>
+            </a:r>
+            <a:r>
+              <a:rPr lang="en-US" dirty="0" smtClean="0">
+                <a:solidFill>
+                  <a:schemeClr val="bg1"/>
+                </a:solidFill>
+                <a:latin typeface="Agency FB" panose="020B0503020202020204" pitchFamily="34" charset="0"/>
+              </a:rPr>
+              <a:t>3: Framework for the game written</a:t>
+            </a:r>
+          </a:p>
+          <a:p>
+            <a:r>
+              <a:rPr lang="en-US" dirty="0">
+                <a:solidFill>
+                  <a:schemeClr val="bg1"/>
+                </a:solidFill>
+                <a:latin typeface="Agency FB" panose="020B0503020202020204" pitchFamily="34" charset="0"/>
+              </a:rPr>
+              <a:t>Week </a:t>
+            </a:r>
+            <a:r>
+              <a:rPr lang="en-US" dirty="0" smtClean="0">
+                <a:solidFill>
+                  <a:schemeClr val="bg1"/>
+                </a:solidFill>
+                <a:latin typeface="Agency FB" panose="020B0503020202020204" pitchFamily="34" charset="0"/>
+              </a:rPr>
+              <a:t>4: Design elements reconsidered (went back to the drawing board) </a:t>
+            </a:r>
+          </a:p>
+          <a:p>
+            <a:r>
+              <a:rPr lang="en-US" dirty="0">
+                <a:solidFill>
+                  <a:schemeClr val="bg1"/>
+                </a:solidFill>
+                <a:latin typeface="Agency FB" panose="020B0503020202020204" pitchFamily="34" charset="0"/>
+              </a:rPr>
+              <a:t>Week </a:t>
+            </a:r>
+            <a:r>
+              <a:rPr lang="en-US" dirty="0" smtClean="0">
+                <a:solidFill>
+                  <a:schemeClr val="bg1"/>
+                </a:solidFill>
+                <a:latin typeface="Agency FB" panose="020B0503020202020204" pitchFamily="34" charset="0"/>
+              </a:rPr>
+              <a:t>5: Created a GUI and new sprites</a:t>
+            </a:r>
             <a:endParaRPr lang="en-US" dirty="0">
               <a:solidFill>
                 <a:schemeClr val="bg1"/>
@@ -4244,12 +4485,108 @@
               <a:latin typeface="Agency FB" panose="020B0503020202020204" pitchFamily="34" charset="0"/>
             </a:endParaRPr>
           </a:p>
+          <a:p>
+            <a:r>
+              <a:rPr lang="en-US" dirty="0">
+                <a:solidFill>
+                  <a:schemeClr val="bg1"/>
+                </a:solidFill>
+                <a:latin typeface="Agency FB" panose="020B0503020202020204" pitchFamily="34" charset="0"/>
+              </a:rPr>
+              <a:t>Week </a:t>
+            </a:r>
+            <a:r>
+              <a:rPr lang="en-US" dirty="0" smtClean="0">
+                <a:solidFill>
+                  <a:schemeClr val="bg1"/>
+                </a:solidFill>
+                <a:latin typeface="Agency FB" panose="020B0503020202020204" pitchFamily="34" charset="0"/>
+              </a:rPr>
+              <a:t>6: Changed the game to a “bullet hell” and prepared the demo</a:t>
+            </a:r>
+            <a:endParaRPr lang="en-US" dirty="0">
+              <a:solidFill>
+                <a:schemeClr val="bg1"/>
+              </a:solidFill>
+              <a:latin typeface="Agency FB" panose="020B0503020202020204" pitchFamily="34" charset="0"/>
+            </a:endParaRPr>
+          </a:p>
+          <a:p>
+            <a:r>
+              <a:rPr lang="en-US" dirty="0">
+                <a:solidFill>
+                  <a:schemeClr val="bg1"/>
+                </a:solidFill>
+                <a:latin typeface="Agency FB" panose="020B0503020202020204" pitchFamily="34" charset="0"/>
+              </a:rPr>
+              <a:t>Week </a:t>
+            </a:r>
+            <a:r>
+              <a:rPr lang="en-US" dirty="0" smtClean="0">
+                <a:solidFill>
+                  <a:schemeClr val="bg1"/>
+                </a:solidFill>
+                <a:latin typeface="Agency FB" panose="020B0503020202020204" pitchFamily="34" charset="0"/>
+              </a:rPr>
+              <a:t>7: Implemented suggestions from demo presentation</a:t>
+            </a:r>
+          </a:p>
+          <a:p>
+            <a:r>
+              <a:rPr lang="en-US" dirty="0">
+                <a:solidFill>
+                  <a:schemeClr val="bg1"/>
+                </a:solidFill>
+                <a:latin typeface="Agency FB" panose="020B0503020202020204" pitchFamily="34" charset="0"/>
+              </a:rPr>
+              <a:t>Week </a:t>
+            </a:r>
+            <a:r>
+              <a:rPr lang="en-US" dirty="0" smtClean="0">
+                <a:solidFill>
+                  <a:schemeClr val="bg1"/>
+                </a:solidFill>
+                <a:latin typeface="Agency FB" panose="020B0503020202020204" pitchFamily="34" charset="0"/>
+              </a:rPr>
+              <a:t>8: Final Presentation</a:t>
+            </a:r>
+            <a:endParaRPr lang="en-US" dirty="0">
+              <a:solidFill>
+                <a:schemeClr val="bg1"/>
+              </a:solidFill>
+              <a:latin typeface="Agency FB" panose="020B0503020202020204" pitchFamily="34" charset="0"/>
+            </a:endParaRPr>
+          </a:p>
+          <a:p>
+            <a:endParaRPr lang="en-US" dirty="0">
+              <a:solidFill>
+                <a:schemeClr val="bg1"/>
+              </a:solidFill>
+              <a:latin typeface="Agency FB" panose="020B0503020202020204" pitchFamily="34" charset="0"/>
+            </a:endParaRPr>
+          </a:p>
+          <a:p>
+            <a:endParaRPr lang="en-US" dirty="0">
+              <a:solidFill>
+                <a:schemeClr val="bg1"/>
+              </a:solidFill>
+              <a:latin typeface="Agency FB" panose="020B0503020202020204" pitchFamily="34" charset="0"/>
+            </a:endParaRPr>
+          </a:p>
+          <a:p>
+            <a:endParaRPr lang="en-US" dirty="0">
+              <a:solidFill>
+                <a:schemeClr val="bg1"/>
+              </a:solidFill>
+              <a:latin typeface="Agency FB" panose="020B0503020202020204" pitchFamily="34" charset="0"/>
+            </a:endParaRPr>
+          </a:p>
         </p:txBody>
       </p:sp>
     </p:spTree>
     <p:extLst>
       <p:ext uri="{BB962C8B-B14F-4D97-AF65-F5344CB8AC3E}">
-        <p14:creationId xmlns:p14="http://schemas.microsoft.com/office/powerpoint/2010/main" val="3257670039"/>
+        <p14:creationId xmlns:p14="http://schemas.microsoft.com/office/powerpoint/2010/main" val="204867358"/>
       </p:ext>
     </p:extLst>
   </p:cSld>
@@ -4312,7 +4649,7 @@
                 </a:solidFill>
                 <a:latin typeface="Agency FB" panose="020B0503020202020204" pitchFamily="34" charset="0"/>
               </a:rPr>
-              <a:t>Timeline</a:t>
+              <a:t>Sprites</a:t>
             </a:r>
             <a:endParaRPr lang="en-US" dirty="0">
               <a:solidFill>
@@ -4325,7 +4662,7 @@
       </p:sp>
       <p:sp>
         <p:nvSpPr>
-          <p:cNvPr id="3" name="Content Placeholder 2"/>
+          <p:cNvPr id="4" name="Content Placeholder 3"/>
           <p:cNvSpPr>
             <a:spLocks noGrp="1"/>
           </p:cNvSpPr>
@@ -4338,19 +4675,325 @@
           <a:bodyPr/>
           <a:lstStyle/>
           <a:p>
-            <a:endParaRPr lang="en-US" dirty="0">
-              <a:solidFill>
-                <a:schemeClr val="bg1"/>
-              </a:solidFill>
-              <a:latin typeface="Agency FB" panose="020B0503020202020204" pitchFamily="34" charset="0"/>
-            </a:endParaRPr>
-          </a:p>
-        </p:txBody>
-      </p:sp>
+            <a:endParaRPr lang="en-US"/>
+          </a:p>
+        </p:txBody>
+      </p:sp>
+      <p:pic>
+        <p:nvPicPr>
+          <p:cNvPr id="5" name="Content Placeholder 5"/>
+          <p:cNvPicPr>
+            <a:picLocks noChangeAspect="1"/>
+          </p:cNvPicPr>
+          <p:nvPr/>
+        </p:nvPicPr>
+        <p:blipFill>
+          <a:blip r:embed="rId3">
+            <a:extLst>
+              <a:ext uri="{28A0092B-C50C-407E-A947-70E740481C1C}">
+                <a14:useLocalDpi xmlns:a14="http://schemas.microsoft.com/office/drawing/2010/main" val="0"/>
+              </a:ext>
+            </a:extLst>
+          </a:blip>
+          <a:stretch>
+            <a:fillRect/>
+          </a:stretch>
+        </p:blipFill>
+        <p:spPr>
+          <a:xfrm>
+            <a:off x="5879639" y="3828886"/>
+            <a:ext cx="1123525" cy="1123525"/>
+          </a:xfrm>
+          <a:prstGeom prst="rect">
+            <a:avLst/>
+          </a:prstGeom>
+        </p:spPr>
+      </p:pic>
+      <p:pic>
+        <p:nvPicPr>
+          <p:cNvPr id="6" name="Picture 5"/>
+          <p:cNvPicPr>
+            <a:picLocks noChangeAspect="1"/>
+          </p:cNvPicPr>
+          <p:nvPr/>
+        </p:nvPicPr>
+        <p:blipFill>
+          <a:blip r:embed="rId4">
+            <a:extLst>
+              <a:ext uri="{28A0092B-C50C-407E-A947-70E740481C1C}">
+                <a14:useLocalDpi xmlns:a14="http://schemas.microsoft.com/office/drawing/2010/main" val="0"/>
+              </a:ext>
+            </a:extLst>
+          </a:blip>
+          <a:stretch>
+            <a:fillRect/>
+          </a:stretch>
+        </p:blipFill>
+        <p:spPr>
+          <a:xfrm>
+            <a:off x="1010523" y="2722991"/>
+            <a:ext cx="3651458" cy="3651458"/>
+          </a:xfrm>
+          <a:prstGeom prst="rect">
+            <a:avLst/>
+          </a:prstGeom>
+        </p:spPr>
+      </p:pic>
+      <p:pic>
+        <p:nvPicPr>
+          <p:cNvPr id="7" name="Picture 6"/>
+          <p:cNvPicPr>
+            <a:picLocks noChangeAspect="1"/>
+          </p:cNvPicPr>
+          <p:nvPr/>
+        </p:nvPicPr>
+        <p:blipFill>
+          <a:blip r:embed="rId5">
+            <a:extLst>
+              <a:ext uri="{28A0092B-C50C-407E-A947-70E740481C1C}">
+                <a14:useLocalDpi xmlns:a14="http://schemas.microsoft.com/office/drawing/2010/main" val="0"/>
+              </a:ext>
+            </a:extLst>
+          </a:blip>
+          <a:stretch>
+            <a:fillRect/>
+          </a:stretch>
+        </p:blipFill>
+        <p:spPr>
+          <a:xfrm>
+            <a:off x="6906185" y="1598183"/>
+            <a:ext cx="561762" cy="561762"/>
+          </a:xfrm>
+          <a:prstGeom prst="rect">
+            <a:avLst/>
+          </a:prstGeom>
+        </p:spPr>
+      </p:pic>
+      <p:pic>
+        <p:nvPicPr>
+          <p:cNvPr id="8" name="Picture 7"/>
+          <p:cNvPicPr>
+            <a:picLocks noChangeAspect="1"/>
+          </p:cNvPicPr>
+          <p:nvPr/>
+        </p:nvPicPr>
+        <p:blipFill>
+          <a:blip r:embed="rId6">
+            <a:extLst>
+              <a:ext uri="{28A0092B-C50C-407E-A947-70E740481C1C}">
+                <a14:useLocalDpi xmlns:a14="http://schemas.microsoft.com/office/drawing/2010/main" val="0"/>
+              </a:ext>
+            </a:extLst>
+          </a:blip>
+          <a:stretch>
+            <a:fillRect/>
+          </a:stretch>
+        </p:blipFill>
+        <p:spPr>
+          <a:xfrm>
+            <a:off x="8011151" y="4109767"/>
+            <a:ext cx="561762" cy="561762"/>
+          </a:xfrm>
+          <a:prstGeom prst="rect">
+            <a:avLst/>
+          </a:prstGeom>
+        </p:spPr>
+      </p:pic>
+      <p:pic>
+        <p:nvPicPr>
+          <p:cNvPr id="9" name="Picture 8"/>
+          <p:cNvPicPr>
+            <a:picLocks noChangeAspect="1"/>
+          </p:cNvPicPr>
+          <p:nvPr/>
+        </p:nvPicPr>
+        <p:blipFill>
+          <a:blip r:embed="rId7">
+            <a:extLst>
+              <a:ext uri="{28A0092B-C50C-407E-A947-70E740481C1C}">
+                <a14:useLocalDpi xmlns:a14="http://schemas.microsoft.com/office/drawing/2010/main" val="0"/>
+              </a:ext>
+            </a:extLst>
+          </a:blip>
+          <a:stretch>
+            <a:fillRect/>
+          </a:stretch>
+        </p:blipFill>
+        <p:spPr>
+          <a:xfrm>
+            <a:off x="4963493" y="1317302"/>
+            <a:ext cx="1123525" cy="1123525"/>
+          </a:xfrm>
+          <a:prstGeom prst="rect">
+            <a:avLst/>
+          </a:prstGeom>
+        </p:spPr>
+      </p:pic>
+      <p:pic>
+        <p:nvPicPr>
+          <p:cNvPr id="10" name="Picture 9"/>
+          <p:cNvPicPr>
+            <a:picLocks noChangeAspect="1"/>
+          </p:cNvPicPr>
+          <p:nvPr/>
+        </p:nvPicPr>
+        <p:blipFill>
+          <a:blip r:embed="rId8">
+            <a:extLst>
+              <a:ext uri="{28A0092B-C50C-407E-A947-70E740481C1C}">
+                <a14:useLocalDpi xmlns:a14="http://schemas.microsoft.com/office/drawing/2010/main" val="0"/>
+              </a:ext>
+            </a:extLst>
+          </a:blip>
+          <a:stretch>
+            <a:fillRect/>
+          </a:stretch>
+        </p:blipFill>
+        <p:spPr>
+          <a:xfrm>
+            <a:off x="8292032" y="1591556"/>
+            <a:ext cx="561762" cy="561762"/>
+          </a:xfrm>
+          <a:prstGeom prst="rect">
+            <a:avLst/>
+          </a:prstGeom>
+        </p:spPr>
+      </p:pic>
+      <p:pic>
+        <p:nvPicPr>
+          <p:cNvPr id="11" name="Picture 10"/>
+          <p:cNvPicPr>
+            <a:picLocks noChangeAspect="1"/>
+          </p:cNvPicPr>
+          <p:nvPr/>
+        </p:nvPicPr>
+        <p:blipFill>
+          <a:blip r:embed="rId9">
+            <a:extLst>
+              <a:ext uri="{28A0092B-C50C-407E-A947-70E740481C1C}">
+                <a14:useLocalDpi xmlns:a14="http://schemas.microsoft.com/office/drawing/2010/main" val="0"/>
+              </a:ext>
+            </a:extLst>
+          </a:blip>
+          <a:stretch>
+            <a:fillRect/>
+          </a:stretch>
+        </p:blipFill>
+        <p:spPr>
+          <a:xfrm>
+            <a:off x="3604976" y="1317303"/>
+            <a:ext cx="1123525" cy="1123525"/>
+          </a:xfrm>
+          <a:prstGeom prst="rect">
+            <a:avLst/>
+          </a:prstGeom>
+        </p:spPr>
+      </p:pic>
+      <p:pic>
+        <p:nvPicPr>
+          <p:cNvPr id="12" name="Picture 11"/>
+          <p:cNvPicPr>
+            <a:picLocks noChangeAspect="1"/>
+          </p:cNvPicPr>
+          <p:nvPr/>
+        </p:nvPicPr>
+        <p:blipFill>
+          <a:blip r:embed="rId10">
+            <a:extLst>
+              <a:ext uri="{28A0092B-C50C-407E-A947-70E740481C1C}">
+                <a14:useLocalDpi xmlns:a14="http://schemas.microsoft.com/office/drawing/2010/main" val="0"/>
+              </a:ext>
+            </a:extLst>
+          </a:blip>
+          <a:stretch>
+            <a:fillRect/>
+          </a:stretch>
+        </p:blipFill>
+        <p:spPr>
+          <a:xfrm>
+            <a:off x="9608171" y="4250207"/>
+            <a:ext cx="280882" cy="280882"/>
+          </a:xfrm>
+          <a:prstGeom prst="rect">
+            <a:avLst/>
+          </a:prstGeom>
+        </p:spPr>
+      </p:pic>
+      <p:pic>
+        <p:nvPicPr>
+          <p:cNvPr id="13" name="Picture 12"/>
+          <p:cNvPicPr>
+            <a:picLocks noChangeAspect="1"/>
+          </p:cNvPicPr>
+          <p:nvPr/>
+        </p:nvPicPr>
+        <p:blipFill>
+          <a:blip r:embed="rId11">
+            <a:extLst>
+              <a:ext uri="{28A0092B-C50C-407E-A947-70E740481C1C}">
+                <a14:useLocalDpi xmlns:a14="http://schemas.microsoft.com/office/drawing/2010/main" val="0"/>
+              </a:ext>
+            </a:extLst>
+          </a:blip>
+          <a:stretch>
+            <a:fillRect/>
+          </a:stretch>
+        </p:blipFill>
+        <p:spPr>
+          <a:xfrm>
+            <a:off x="7669956" y="1591556"/>
+            <a:ext cx="561762" cy="561762"/>
+          </a:xfrm>
+          <a:prstGeom prst="rect">
+            <a:avLst/>
+          </a:prstGeom>
+        </p:spPr>
+      </p:pic>
+      <p:pic>
+        <p:nvPicPr>
+          <p:cNvPr id="14" name="Picture 2" descr="C:\Users\User1\OneDrive\Testing\spr\coin.png"/>
+          <p:cNvPicPr>
+            <a:picLocks noChangeAspect="1" noChangeArrowheads="1"/>
+          </p:cNvPicPr>
+          <p:nvPr/>
+        </p:nvPicPr>
+        <p:blipFill>
+          <a:blip r:embed="rId12">
+            <a:extLst>
+              <a:ext uri="{28A0092B-C50C-407E-A947-70E740481C1C}">
+                <a14:useLocalDpi xmlns:a14="http://schemas.microsoft.com/office/drawing/2010/main" val="0"/>
+              </a:ext>
+            </a:extLst>
+          </a:blip>
+          <a:srcRect/>
+          <a:stretch>
+            <a:fillRect/>
+          </a:stretch>
+        </p:blipFill>
+        <p:spPr bwMode="auto">
+          <a:xfrm>
+            <a:off x="8938790" y="1598183"/>
+            <a:ext cx="561833" cy="561833"/>
+          </a:xfrm>
+          <a:prstGeom prst="rect">
+            <a:avLst/>
+          </a:prstGeom>
+          <a:noFill/>
+          <a:extLst>
+            <a:ext uri="{909E8E84-426E-40DD-AFC4-6F175D3DCCD1}">
+              <a14:hiddenFill xmlns:a14="http://schemas.microsoft.com/office/drawing/2010/main">
+                <a:solidFill>
+                  <a:srgbClr val="FFFFFF"/>
+                </a:solidFill>
+              </a14:hiddenFill>
+            </a:ext>
+          </a:extLst>
+        </p:spPr>
+      </p:pic>
     </p:spTree>
     <p:extLst>
       <p:ext uri="{BB962C8B-B14F-4D97-AF65-F5344CB8AC3E}">
-        <p14:creationId xmlns:p14="http://schemas.microsoft.com/office/powerpoint/2010/main" val="204867358"/>
+        <p14:creationId xmlns:p14="http://schemas.microsoft.com/office/powerpoint/2010/main" val="4033321066"/>
       </p:ext>
     </p:extLst>
   </p:cSld>
@@ -4481,7 +5124,7 @@
     </p:spTree>
     <p:extLst>
       <p:ext uri="{BB962C8B-B14F-4D97-AF65-F5344CB8AC3E}">
-        <p14:creationId xmlns:p14="http://schemas.microsoft.com/office/powerpoint/2010/main" val="4033321066"/>
+        <p14:creationId xmlns:p14="http://schemas.microsoft.com/office/powerpoint/2010/main" val="3507494607"/>
       </p:ext>
     </p:extLst>
   </p:cSld>
